--- a/team12_発表.pptx
+++ b/team12_発表.pptx
@@ -5,13 +5,14 @@
     <p:sldMasterId id="2147483648" r:id="rId1"/>
   </p:sldMasterIdLst>
   <p:notesMasterIdLst>
-    <p:notesMasterId r:id="rId6"/>
+    <p:notesMasterId r:id="rId7"/>
   </p:notesMasterIdLst>
   <p:sldIdLst>
     <p:sldId id="256" r:id="rId2"/>
     <p:sldId id="257" r:id="rId3"/>
-    <p:sldId id="259" r:id="rId4"/>
-    <p:sldId id="258" r:id="rId5"/>
+    <p:sldId id="260" r:id="rId4"/>
+    <p:sldId id="259" r:id="rId5"/>
+    <p:sldId id="258" r:id="rId6"/>
   </p:sldIdLst>
   <p:sldSz cx="12192000" cy="6858000"/>
   <p:notesSz cx="6858000" cy="9144000"/>
@@ -110,6 +111,11 @@
       </a:defRPr>
     </a:lvl9pPr>
   </p:defaultTextStyle>
+  <p:extLst>
+    <p:ext uri="{EFAFB233-063F-42B5-8137-9DF3F51BA10A}">
+      <p15:sldGuideLst xmlns:p15="http://schemas.microsoft.com/office/powerpoint/2012/main"/>
+    </p:ext>
+  </p:extLst>
 </p:presentation>
 </file>
 
@@ -195,7 +201,7 @@
           <a:p>
             <a:fld id="{F2735A44-3EC1-49AB-A323-0A4C6445FA39}" type="datetimeFigureOut">
               <a:rPr kumimoji="1" lang="ja-JP" altLang="en-US" smtClean="0"/>
-              <a:t>2025/7/23</a:t>
+              <a:t>2025/8/5</a:t>
             </a:fld>
             <a:endParaRPr kumimoji="1" lang="ja-JP" altLang="en-US"/>
           </a:p>
@@ -538,9 +544,119 @@
           <a:bodyPr/>
           <a:lstStyle/>
           <a:p>
+            <a:endParaRPr kumimoji="1" lang="ja-JP" altLang="en-US" dirty="0"/>
+          </a:p>
+        </p:txBody>
+      </p:sp>
+      <p:sp>
+        <p:nvSpPr>
+          <p:cNvPr id="4" name="スライド番号プレースホルダー 3"/>
+          <p:cNvSpPr>
+            <a:spLocks noGrp="1"/>
+          </p:cNvSpPr>
+          <p:nvPr>
+            <p:ph type="sldNum" sz="quarter" idx="5"/>
+          </p:nvPr>
+        </p:nvSpPr>
+        <p:spPr/>
+        <p:txBody>
+          <a:bodyPr/>
+          <a:lstStyle/>
+          <a:p>
+            <a:fld id="{1C8182FD-56CC-4E1A-8AF9-78AE7C78D8B0}" type="slidenum">
+              <a:rPr kumimoji="1" lang="ja-JP" altLang="en-US" smtClean="0"/>
+              <a:t>2</a:t>
+            </a:fld>
+            <a:endParaRPr kumimoji="1" lang="ja-JP" altLang="en-US"/>
+          </a:p>
+        </p:txBody>
+      </p:sp>
+    </p:spTree>
+    <p:extLst>
+      <p:ext uri="{BB962C8B-B14F-4D97-AF65-F5344CB8AC3E}">
+        <p14:creationId xmlns:p14="http://schemas.microsoft.com/office/powerpoint/2010/main" val="3153498035"/>
+      </p:ext>
+    </p:extLst>
+  </p:cSld>
+  <p:clrMapOvr>
+    <a:masterClrMapping/>
+  </p:clrMapOvr>
+</p:notes>
+</file>
+
+<file path=ppt/notesSlides/notesSlide2.xml><?xml version="1.0" encoding="utf-8"?>
+<p:notes xmlns:a="http://schemas.openxmlformats.org/drawingml/2006/main" xmlns:r="http://schemas.openxmlformats.org/officeDocument/2006/relationships" xmlns:p="http://schemas.openxmlformats.org/presentationml/2006/main">
+  <p:cSld>
+    <p:spTree>
+      <p:nvGrpSpPr>
+        <p:cNvPr id="1" name=""/>
+        <p:cNvGrpSpPr/>
+        <p:nvPr/>
+      </p:nvGrpSpPr>
+      <p:grpSpPr>
+        <a:xfrm>
+          <a:off x="0" y="0"/>
+          <a:ext cx="0" cy="0"/>
+          <a:chOff x="0" y="0"/>
+          <a:chExt cx="0" cy="0"/>
+        </a:xfrm>
+      </p:grpSpPr>
+      <p:sp>
+        <p:nvSpPr>
+          <p:cNvPr id="2" name="スライド イメージ プレースホルダー 1"/>
+          <p:cNvSpPr>
+            <a:spLocks noGrp="1" noRot="1" noChangeAspect="1"/>
+          </p:cNvSpPr>
+          <p:nvPr>
+            <p:ph type="sldImg"/>
+          </p:nvPr>
+        </p:nvSpPr>
+        <p:spPr/>
+      </p:sp>
+      <p:sp>
+        <p:nvSpPr>
+          <p:cNvPr id="3" name="ノート プレースホルダー 2"/>
+          <p:cNvSpPr>
+            <a:spLocks noGrp="1"/>
+          </p:cNvSpPr>
+          <p:nvPr>
+            <p:ph type="body" idx="1"/>
+          </p:nvPr>
+        </p:nvSpPr>
+        <p:spPr/>
+        <p:txBody>
+          <a:bodyPr/>
+          <a:lstStyle/>
+          <a:p>
+            <a:r>
+              <a:rPr kumimoji="1" lang="en-US" altLang="ja-JP" dirty="0"/>
+              <a:t>Character</a:t>
+            </a:r>
             <a:r>
               <a:rPr kumimoji="1" lang="ja-JP" altLang="en-US" dirty="0"/>
-              <a:t>オブジェクト指向の活用により、同じコードを書く量を減らした</a:t>
+              <a:t>クラスの作成、</a:t>
+            </a:r>
+            <a:r>
+              <a:rPr kumimoji="1" lang="en-US" altLang="ja-JP" dirty="0"/>
+              <a:t>HP</a:t>
+            </a:r>
+            <a:r>
+              <a:rPr kumimoji="1" lang="ja-JP" altLang="en-US" dirty="0"/>
+              <a:t>や与ダメの設定の簡略化でステータス違いの敵を増やすなどの改良を簡単にできるようになっている。</a:t>
+            </a:r>
+            <a:endParaRPr kumimoji="1" lang="en-US" altLang="ja-JP" dirty="0"/>
+          </a:p>
+          <a:p>
+            <a:r>
+              <a:rPr kumimoji="1" lang="ja-JP" altLang="en-US" dirty="0"/>
+              <a:t>オーバーライドをさせることでにどのようなコードが最低限欲しいのかが把握できる。</a:t>
+            </a:r>
+            <a:endParaRPr kumimoji="1" lang="en-US" altLang="ja-JP" dirty="0"/>
+          </a:p>
+          <a:p>
+            <a:r>
+              <a:rPr kumimoji="1" lang="ja-JP" altLang="en-US" dirty="0"/>
+              <a:t>同じコードを書く量を減らした</a:t>
             </a:r>
             <a:endParaRPr kumimoji="1" lang="en-US" altLang="ja-JP" dirty="0"/>
           </a:p>
@@ -554,13 +670,13 @@
           <a:p>
             <a:r>
               <a:rPr kumimoji="1" lang="ja-JP" altLang="en-US" dirty="0"/>
-              <a:t>自機の移動を第に添わせる動作に予定より時間がかかった。台の傾きを調整、斜め移動させる始点・終点の調整が必要だった。</a:t>
+              <a:t>自機の移動を台に添わせる動作に予定より時間がかかった。台の傾きを調整、斜め移動させる始点・終点の調整が必要だった。</a:t>
             </a:r>
             <a:endParaRPr kumimoji="1" lang="en-US" altLang="ja-JP" dirty="0"/>
           </a:p>
           <a:p>
             <a:r>
-              <a:rPr kumimoji="1" lang="ja-JP" altLang="en-US"/>
+              <a:rPr kumimoji="1" lang="ja-JP" altLang="en-US" dirty="0"/>
               <a:t>実装予定だったもの：時間が足りないと判断し、仕様変更したもの。時間があれば挑戦したかった。</a:t>
             </a:r>
           </a:p>
@@ -583,7 +699,7 @@
           <a:p>
             <a:fld id="{1C8182FD-56CC-4E1A-8AF9-78AE7C78D8B0}" type="slidenum">
               <a:rPr kumimoji="1" lang="ja-JP" altLang="en-US" smtClean="0"/>
-              <a:t>4</a:t>
+              <a:t>5</a:t>
             </a:fld>
             <a:endParaRPr kumimoji="1" lang="ja-JP" altLang="en-US"/>
           </a:p>
@@ -749,7 +865,7 @@
           <a:p>
             <a:fld id="{EF30903A-6739-441F-B3E8-79F9A22C1051}" type="datetimeFigureOut">
               <a:rPr kumimoji="1" lang="ja-JP" altLang="en-US" smtClean="0"/>
-              <a:t>2025/7/23</a:t>
+              <a:t>2025/8/5</a:t>
             </a:fld>
             <a:endParaRPr kumimoji="1" lang="ja-JP" altLang="en-US"/>
           </a:p>
@@ -979,7 +1095,7 @@
           <a:p>
             <a:fld id="{EF30903A-6739-441F-B3E8-79F9A22C1051}" type="datetimeFigureOut">
               <a:rPr kumimoji="1" lang="ja-JP" altLang="en-US" smtClean="0"/>
-              <a:t>2025/7/23</a:t>
+              <a:t>2025/8/5</a:t>
             </a:fld>
             <a:endParaRPr kumimoji="1" lang="ja-JP" altLang="en-US"/>
           </a:p>
@@ -1219,7 +1335,7 @@
           <a:p>
             <a:fld id="{EF30903A-6739-441F-B3E8-79F9A22C1051}" type="datetimeFigureOut">
               <a:rPr kumimoji="1" lang="ja-JP" altLang="en-US" smtClean="0"/>
-              <a:t>2025/7/23</a:t>
+              <a:t>2025/8/5</a:t>
             </a:fld>
             <a:endParaRPr kumimoji="1" lang="ja-JP" altLang="en-US"/>
           </a:p>
@@ -1449,7 +1565,7 @@
           <a:p>
             <a:fld id="{EF30903A-6739-441F-B3E8-79F9A22C1051}" type="datetimeFigureOut">
               <a:rPr kumimoji="1" lang="ja-JP" altLang="en-US" smtClean="0"/>
-              <a:t>2025/7/23</a:t>
+              <a:t>2025/8/5</a:t>
             </a:fld>
             <a:endParaRPr kumimoji="1" lang="ja-JP" altLang="en-US"/>
           </a:p>
@@ -1724,7 +1840,7 @@
           <a:p>
             <a:fld id="{EF30903A-6739-441F-B3E8-79F9A22C1051}" type="datetimeFigureOut">
               <a:rPr kumimoji="1" lang="ja-JP" altLang="en-US" smtClean="0"/>
-              <a:t>2025/7/23</a:t>
+              <a:t>2025/8/5</a:t>
             </a:fld>
             <a:endParaRPr kumimoji="1" lang="ja-JP" altLang="en-US"/>
           </a:p>
@@ -2053,7 +2169,7 @@
           <a:p>
             <a:fld id="{EF30903A-6739-441F-B3E8-79F9A22C1051}" type="datetimeFigureOut">
               <a:rPr kumimoji="1" lang="ja-JP" altLang="en-US" smtClean="0"/>
-              <a:t>2025/7/23</a:t>
+              <a:t>2025/8/5</a:t>
             </a:fld>
             <a:endParaRPr kumimoji="1" lang="ja-JP" altLang="en-US"/>
           </a:p>
@@ -2529,7 +2645,7 @@
           <a:p>
             <a:fld id="{EF30903A-6739-441F-B3E8-79F9A22C1051}" type="datetimeFigureOut">
               <a:rPr kumimoji="1" lang="ja-JP" altLang="en-US" smtClean="0"/>
-              <a:t>2025/7/23</a:t>
+              <a:t>2025/8/5</a:t>
             </a:fld>
             <a:endParaRPr kumimoji="1" lang="ja-JP" altLang="en-US"/>
           </a:p>
@@ -2670,7 +2786,7 @@
           <a:p>
             <a:fld id="{EF30903A-6739-441F-B3E8-79F9A22C1051}" type="datetimeFigureOut">
               <a:rPr kumimoji="1" lang="ja-JP" altLang="en-US" smtClean="0"/>
-              <a:t>2025/7/23</a:t>
+              <a:t>2025/8/5</a:t>
             </a:fld>
             <a:endParaRPr kumimoji="1" lang="ja-JP" altLang="en-US"/>
           </a:p>
@@ -2783,7 +2899,7 @@
           <a:p>
             <a:fld id="{EF30903A-6739-441F-B3E8-79F9A22C1051}" type="datetimeFigureOut">
               <a:rPr kumimoji="1" lang="ja-JP" altLang="en-US" smtClean="0"/>
-              <a:t>2025/7/23</a:t>
+              <a:t>2025/8/5</a:t>
             </a:fld>
             <a:endParaRPr kumimoji="1" lang="ja-JP" altLang="en-US"/>
           </a:p>
@@ -3126,7 +3242,7 @@
           <a:p>
             <a:fld id="{EF30903A-6739-441F-B3E8-79F9A22C1051}" type="datetimeFigureOut">
               <a:rPr kumimoji="1" lang="ja-JP" altLang="en-US" smtClean="0"/>
-              <a:t>2025/7/23</a:t>
+              <a:t>2025/8/5</a:t>
             </a:fld>
             <a:endParaRPr kumimoji="1" lang="ja-JP" altLang="en-US"/>
           </a:p>
@@ -3414,7 +3530,7 @@
           <a:p>
             <a:fld id="{EF30903A-6739-441F-B3E8-79F9A22C1051}" type="datetimeFigureOut">
               <a:rPr kumimoji="1" lang="ja-JP" altLang="en-US" smtClean="0"/>
-              <a:t>2025/7/23</a:t>
+              <a:t>2025/8/5</a:t>
             </a:fld>
             <a:endParaRPr kumimoji="1" lang="ja-JP" altLang="en-US"/>
           </a:p>
@@ -3687,7 +3803,7 @@
           <a:p>
             <a:fld id="{EF30903A-6739-441F-B3E8-79F9A22C1051}" type="datetimeFigureOut">
               <a:rPr kumimoji="1" lang="ja-JP" altLang="en-US" smtClean="0"/>
-              <a:t>2025/7/23</a:t>
+              <a:t>2025/8/5</a:t>
             </a:fld>
             <a:endParaRPr kumimoji="1" lang="ja-JP" altLang="en-US"/>
           </a:p>
@@ -4219,7 +4335,7 @@
     <p:bg>
       <p:bgPr>
         <a:blipFill dpi="0" rotWithShape="1">
-          <a:blip r:embed="rId2">
+          <a:blip r:embed="rId3">
             <a:lum/>
           </a:blip>
           <a:srcRect/>
@@ -4300,12 +4416,14 @@
         </p:nvSpPr>
         <p:spPr>
           <a:xfrm>
-            <a:off x="2122714" y="3069770"/>
+            <a:off x="838200" y="2814408"/>
             <a:ext cx="10069286" cy="3788229"/>
           </a:xfrm>
         </p:spPr>
         <p:txBody>
-          <a:bodyPr/>
+          <a:bodyPr>
+            <a:normAutofit lnSpcReduction="10000"/>
+          </a:bodyPr>
           <a:lstStyle/>
           <a:p>
             <a:r>
@@ -4316,17 +4434,6 @@
           </a:p>
           <a:p>
             <a:r>
-              <a:rPr kumimoji="1" lang="ja-JP" altLang="en-US" dirty="0"/>
-              <a:t>敵</a:t>
-            </a:r>
-            <a:r>
-              <a:rPr lang="ja-JP" altLang="en-US" dirty="0"/>
-              <a:t>：通常敵、ボス</a:t>
-            </a:r>
-            <a:endParaRPr lang="en-US" altLang="ja-JP" dirty="0"/>
-          </a:p>
-          <a:p>
-            <a:r>
               <a:rPr kumimoji="1" lang="en-US" altLang="ja-JP" dirty="0"/>
               <a:t>A,</a:t>
             </a:r>
@@ -4366,6 +4473,35 @@
             <a:r>
               <a:rPr lang="ja-JP" altLang="en-US" dirty="0"/>
               <a:t>敵２体を倒すとクリア</a:t>
+            </a:r>
+            <a:endParaRPr lang="en-US" altLang="ja-JP" dirty="0"/>
+          </a:p>
+          <a:p>
+            <a:pPr marL="0" indent="0">
+              <a:buNone/>
+            </a:pPr>
+            <a:r>
+              <a:rPr kumimoji="1" lang="ja-JP" altLang="en-US" dirty="0"/>
+              <a:t>自機</a:t>
+            </a:r>
+            <a:endParaRPr kumimoji="1" lang="en-US" altLang="ja-JP" dirty="0"/>
+          </a:p>
+          <a:p>
+            <a:pPr lvl="1"/>
+            <a:r>
+              <a:rPr kumimoji="1" lang="en-US" altLang="ja-JP" dirty="0"/>
+              <a:t>HP=100</a:t>
+            </a:r>
+          </a:p>
+          <a:p>
+            <a:pPr lvl="1"/>
+            <a:r>
+              <a:rPr kumimoji="1" lang="ja-JP" altLang="en-US" dirty="0"/>
+              <a:t>与ダメージ：</a:t>
+            </a:r>
+            <a:r>
+              <a:rPr kumimoji="1" lang="en-US" altLang="ja-JP" dirty="0"/>
+              <a:t>15</a:t>
             </a:r>
             <a:endParaRPr kumimoji="1" lang="ja-JP" altLang="en-US" dirty="0"/>
           </a:p>
@@ -4408,10 +4544,10 @@
       </p:sp>
       <p:pic>
         <p:nvPicPr>
-          <p:cNvPr id="6" name="図 5" descr="テキスト, 手紙&#10;&#10;AI 生成コンテンツは誤りを含む可能性があります。">
-            <a:extLst>
-              <a:ext uri="{FF2B5EF4-FFF2-40B4-BE49-F238E27FC236}">
-                <a16:creationId xmlns:a16="http://schemas.microsoft.com/office/drawing/2014/main" id="{CD64BFD1-F394-4745-B874-33B38AAB232A}"/>
+          <p:cNvPr id="8" name="図 7" descr="テキスト, 手紙&#10;&#10;AI 生成コンテンツは誤りを含む可能性があります。">
+            <a:extLst>
+              <a:ext uri="{FF2B5EF4-FFF2-40B4-BE49-F238E27FC236}">
+                <a16:creationId xmlns:a16="http://schemas.microsoft.com/office/drawing/2014/main" id="{4D093152-E007-E0E8-BB77-FC40A8D04549}"/>
               </a:ext>
             </a:extLst>
           </p:cNvPr>
@@ -4421,7 +4557,7 @@
           <p:nvPr/>
         </p:nvPicPr>
         <p:blipFill>
-          <a:blip r:embed="rId3">
+          <a:blip r:embed="rId4">
             <a:extLst>
               <a:ext uri="{28A0092B-C50C-407E-A947-70E740481C1C}">
                 <a14:useLocalDpi xmlns:a14="http://schemas.microsoft.com/office/drawing/2010/main" val="0"/>
@@ -4435,8 +4571,8 @@
         </p:blipFill>
         <p:spPr>
           <a:xfrm>
-            <a:off x="6770915" y="3069034"/>
-            <a:ext cx="4212771" cy="3278981"/>
+            <a:off x="6095999" y="2716912"/>
+            <a:ext cx="4992304" cy="3885725"/>
           </a:xfrm>
           <a:prstGeom prst="rect">
             <a:avLst/>
@@ -4457,6 +4593,332 @@
 </file>
 
 <file path=ppt/slides/slide3.xml><?xml version="1.0" encoding="utf-8"?>
+<p:sld xmlns:a="http://schemas.openxmlformats.org/drawingml/2006/main" xmlns:r="http://schemas.openxmlformats.org/officeDocument/2006/relationships" xmlns:p="http://schemas.openxmlformats.org/presentationml/2006/main">
+  <p:cSld>
+    <p:bg>
+      <p:bgPr>
+        <a:blipFill dpi="0" rotWithShape="1">
+          <a:blip r:embed="rId2">
+            <a:lum/>
+          </a:blip>
+          <a:srcRect/>
+          <a:stretch>
+            <a:fillRect/>
+          </a:stretch>
+        </a:blipFill>
+        <a:effectLst/>
+      </p:bgPr>
+    </p:bg>
+    <p:spTree>
+      <p:nvGrpSpPr>
+        <p:cNvPr id="1" name="">
+          <a:extLst>
+            <a:ext uri="{FF2B5EF4-FFF2-40B4-BE49-F238E27FC236}">
+              <a16:creationId xmlns:a16="http://schemas.microsoft.com/office/drawing/2014/main" id="{E4C91F06-A771-419F-B7F1-3573752A73BB}"/>
+            </a:ext>
+          </a:extLst>
+        </p:cNvPr>
+        <p:cNvGrpSpPr/>
+        <p:nvPr/>
+      </p:nvGrpSpPr>
+      <p:grpSpPr>
+        <a:xfrm>
+          <a:off x="0" y="0"/>
+          <a:ext cx="0" cy="0"/>
+          <a:chOff x="0" y="0"/>
+          <a:chExt cx="0" cy="0"/>
+        </a:xfrm>
+      </p:grpSpPr>
+      <p:sp>
+        <p:nvSpPr>
+          <p:cNvPr id="2" name="タイトル 1">
+            <a:extLst>
+              <a:ext uri="{FF2B5EF4-FFF2-40B4-BE49-F238E27FC236}">
+                <a16:creationId xmlns:a16="http://schemas.microsoft.com/office/drawing/2014/main" id="{046DD7E4-AD82-615A-43D1-EEFB1F47686C}"/>
+              </a:ext>
+            </a:extLst>
+          </p:cNvPr>
+          <p:cNvSpPr>
+            <a:spLocks noGrp="1"/>
+          </p:cNvSpPr>
+          <p:nvPr>
+            <p:ph type="title"/>
+          </p:nvPr>
+        </p:nvSpPr>
+        <p:spPr>
+          <a:xfrm>
+            <a:off x="838200" y="18255"/>
+            <a:ext cx="10515600" cy="1325563"/>
+          </a:xfrm>
+        </p:spPr>
+        <p:txBody>
+          <a:bodyPr/>
+          <a:lstStyle/>
+          <a:p>
+            <a:pPr algn="ctr"/>
+            <a:r>
+              <a:rPr kumimoji="1" lang="ja-JP" altLang="en-US" dirty="0">
+                <a:solidFill>
+                  <a:schemeClr val="bg1"/>
+                </a:solidFill>
+              </a:rPr>
+              <a:t>アプリの概要</a:t>
+            </a:r>
+          </a:p>
+        </p:txBody>
+      </p:sp>
+      <p:sp>
+        <p:nvSpPr>
+          <p:cNvPr id="3" name="コンテンツ プレースホルダー 2">
+            <a:extLst>
+              <a:ext uri="{FF2B5EF4-FFF2-40B4-BE49-F238E27FC236}">
+                <a16:creationId xmlns:a16="http://schemas.microsoft.com/office/drawing/2014/main" id="{52B60750-B4A3-77D6-CB83-40DA07205175}"/>
+              </a:ext>
+            </a:extLst>
+          </p:cNvPr>
+          <p:cNvSpPr>
+            <a:spLocks noGrp="1"/>
+          </p:cNvSpPr>
+          <p:nvPr>
+            <p:ph idx="1"/>
+          </p:nvPr>
+        </p:nvSpPr>
+        <p:spPr>
+          <a:xfrm>
+            <a:off x="838200" y="2814408"/>
+            <a:ext cx="10069286" cy="3788229"/>
+          </a:xfrm>
+        </p:spPr>
+        <p:txBody>
+          <a:bodyPr>
+            <a:normAutofit lnSpcReduction="10000"/>
+          </a:bodyPr>
+          <a:lstStyle/>
+          <a:p>
+            <a:pPr marL="0" indent="0">
+              <a:buNone/>
+            </a:pPr>
+            <a:r>
+              <a:rPr kumimoji="1" lang="ja-JP" altLang="en-US" dirty="0"/>
+              <a:t>敵</a:t>
+            </a:r>
+            <a:endParaRPr kumimoji="1" lang="en-US" altLang="ja-JP" dirty="0"/>
+          </a:p>
+          <a:p>
+            <a:pPr lvl="1"/>
+            <a:r>
+              <a:rPr lang="ja-JP" altLang="en-US" dirty="0"/>
+              <a:t>通常敵・</a:t>
+            </a:r>
+            <a:r>
+              <a:rPr lang="en-US" altLang="ja-JP" dirty="0"/>
+              <a:t>BOSS</a:t>
+            </a:r>
+            <a:r>
+              <a:rPr lang="ja-JP" altLang="en-US" dirty="0"/>
+              <a:t>の</a:t>
+            </a:r>
+            <a:r>
+              <a:rPr lang="en-US" altLang="ja-JP" dirty="0"/>
+              <a:t>2</a:t>
+            </a:r>
+            <a:r>
+              <a:rPr lang="ja-JP" altLang="en-US" dirty="0"/>
+              <a:t>体</a:t>
+            </a:r>
+            <a:endParaRPr lang="en-US" altLang="ja-JP" dirty="0"/>
+          </a:p>
+          <a:p>
+            <a:pPr lvl="1"/>
+            <a:r>
+              <a:rPr lang="en-US" altLang="ja-JP" dirty="0"/>
+              <a:t>HP</a:t>
+            </a:r>
+            <a:r>
+              <a:rPr lang="ja-JP" altLang="en-US" dirty="0"/>
+              <a:t>＝</a:t>
+            </a:r>
+            <a:r>
+              <a:rPr lang="en-US" altLang="ja-JP" dirty="0"/>
+              <a:t>50</a:t>
+            </a:r>
+            <a:r>
+              <a:rPr lang="ja-JP" altLang="en-US" dirty="0"/>
+              <a:t>：</a:t>
+            </a:r>
+            <a:r>
+              <a:rPr lang="en-US" altLang="ja-JP" dirty="0"/>
+              <a:t>70</a:t>
+            </a:r>
+          </a:p>
+          <a:p>
+            <a:pPr lvl="1"/>
+            <a:r>
+              <a:rPr lang="ja-JP" altLang="en-US" dirty="0"/>
+              <a:t>上下に移動（プレイヤーに吸い付き）</a:t>
+            </a:r>
+            <a:endParaRPr lang="en-US" altLang="ja-JP" dirty="0"/>
+          </a:p>
+          <a:p>
+            <a:pPr lvl="1"/>
+            <a:r>
+              <a:rPr lang="ja-JP" altLang="en-US" dirty="0"/>
+              <a:t>攻撃：通常弾・レーザー</a:t>
+            </a:r>
+            <a:endParaRPr lang="en-US" altLang="ja-JP" dirty="0"/>
+          </a:p>
+          <a:p>
+            <a:pPr lvl="1"/>
+            <a:r>
+              <a:rPr lang="ja-JP" altLang="en-US" dirty="0"/>
+              <a:t>通常弾：</a:t>
+            </a:r>
+            <a:r>
+              <a:rPr lang="en-US" altLang="ja-JP" dirty="0"/>
+              <a:t>10</a:t>
+            </a:r>
+            <a:r>
+              <a:rPr lang="ja-JP" altLang="en-US" dirty="0"/>
+              <a:t>ダメージ</a:t>
+            </a:r>
+            <a:endParaRPr lang="en-US" altLang="ja-JP" dirty="0"/>
+          </a:p>
+          <a:p>
+            <a:pPr lvl="1"/>
+            <a:r>
+              <a:rPr lang="ja-JP" altLang="en-US" dirty="0"/>
+              <a:t>レーザー：継続ダメージ</a:t>
+            </a:r>
+            <a:endParaRPr lang="en-US" altLang="ja-JP" dirty="0"/>
+          </a:p>
+          <a:p>
+            <a:pPr lvl="2"/>
+            <a:r>
+              <a:rPr lang="en-US" altLang="ja-JP" dirty="0"/>
+              <a:t>1</a:t>
+            </a:r>
+            <a:r>
+              <a:rPr lang="ja-JP" altLang="en-US" dirty="0"/>
+              <a:t>ヒット</a:t>
+            </a:r>
+            <a:r>
+              <a:rPr lang="en-US" altLang="ja-JP" dirty="0"/>
+              <a:t>3</a:t>
+            </a:r>
+            <a:r>
+              <a:rPr lang="ja-JP" altLang="en-US" dirty="0"/>
+              <a:t>ダメージ</a:t>
+            </a:r>
+            <a:endParaRPr lang="en-US" altLang="ja-JP" dirty="0"/>
+          </a:p>
+          <a:p>
+            <a:pPr lvl="2"/>
+            <a:r>
+              <a:rPr lang="en-US" altLang="ja-JP" dirty="0"/>
+              <a:t>0.1</a:t>
+            </a:r>
+            <a:r>
+              <a:rPr lang="ja-JP" altLang="en-US" dirty="0"/>
+              <a:t>秒ごとにヒット</a:t>
+            </a:r>
+            <a:endParaRPr lang="en-US" altLang="ja-JP" dirty="0"/>
+          </a:p>
+          <a:p>
+            <a:pPr lvl="2"/>
+            <a:r>
+              <a:rPr lang="ja-JP" altLang="en-US" dirty="0"/>
+              <a:t>発射後にクールタイム</a:t>
+            </a:r>
+            <a:endParaRPr lang="en-US" altLang="ja-JP" dirty="0"/>
+          </a:p>
+        </p:txBody>
+      </p:sp>
+      <p:sp>
+        <p:nvSpPr>
+          <p:cNvPr id="4" name="テキスト ボックス 3">
+            <a:extLst>
+              <a:ext uri="{FF2B5EF4-FFF2-40B4-BE49-F238E27FC236}">
+                <a16:creationId xmlns:a16="http://schemas.microsoft.com/office/drawing/2014/main" id="{7B1213B6-1BD2-BFD9-19C3-ECCA039F828F}"/>
+              </a:ext>
+            </a:extLst>
+          </p:cNvPr>
+          <p:cNvSpPr txBox="1"/>
+          <p:nvPr/>
+        </p:nvSpPr>
+        <p:spPr>
+          <a:xfrm>
+            <a:off x="4208303" y="1626256"/>
+            <a:ext cx="3775393" cy="523220"/>
+          </a:xfrm>
+          <a:prstGeom prst="rect">
+            <a:avLst/>
+          </a:prstGeom>
+          <a:noFill/>
+        </p:spPr>
+        <p:txBody>
+          <a:bodyPr wrap="none" rtlCol="0">
+            <a:spAutoFit/>
+          </a:bodyPr>
+          <a:lstStyle/>
+          <a:p>
+            <a:r>
+              <a:rPr kumimoji="1" lang="ja-JP" altLang="en-US" sz="2800" dirty="0"/>
+              <a:t>シューティングゲーム</a:t>
+            </a:r>
+          </a:p>
+        </p:txBody>
+      </p:sp>
+      <p:pic>
+        <p:nvPicPr>
+          <p:cNvPr id="7" name="図 6" descr="テキスト&#10;&#10;AI 生成コンテンツは誤りを含む可能性があります。">
+            <a:extLst>
+              <a:ext uri="{FF2B5EF4-FFF2-40B4-BE49-F238E27FC236}">
+                <a16:creationId xmlns:a16="http://schemas.microsoft.com/office/drawing/2014/main" id="{A054E979-5E72-E73B-09CE-6EC11CBB11F2}"/>
+              </a:ext>
+            </a:extLst>
+          </p:cNvPr>
+          <p:cNvPicPr>
+            <a:picLocks noChangeAspect="1"/>
+          </p:cNvPicPr>
+          <p:nvPr/>
+        </p:nvPicPr>
+        <p:blipFill>
+          <a:blip r:embed="rId3">
+            <a:extLst>
+              <a:ext uri="{28A0092B-C50C-407E-A947-70E740481C1C}">
+                <a14:useLocalDpi xmlns:a14="http://schemas.microsoft.com/office/drawing/2010/main" val="0"/>
+              </a:ext>
+            </a:extLst>
+          </a:blip>
+          <a:srcRect l="13737" t="5193" r="13750"/>
+          <a:stretch>
+            <a:fillRect/>
+          </a:stretch>
+        </p:blipFill>
+        <p:spPr>
+          <a:xfrm>
+            <a:off x="6743300" y="2657413"/>
+            <a:ext cx="5076523" cy="3733469"/>
+          </a:xfrm>
+          <a:prstGeom prst="rect">
+            <a:avLst/>
+          </a:prstGeom>
+        </p:spPr>
+      </p:pic>
+    </p:spTree>
+    <p:extLst>
+      <p:ext uri="{BB962C8B-B14F-4D97-AF65-F5344CB8AC3E}">
+        <p14:creationId xmlns:p14="http://schemas.microsoft.com/office/powerpoint/2010/main" val="3829841884"/>
+      </p:ext>
+    </p:extLst>
+  </p:cSld>
+  <p:clrMapOvr>
+    <a:masterClrMapping/>
+  </p:clrMapOvr>
+</p:sld>
+</file>
+
+<file path=ppt/slides/slide4.xml><?xml version="1.0" encoding="utf-8"?>
 <p:sld xmlns:a="http://schemas.openxmlformats.org/drawingml/2006/main" xmlns:r="http://schemas.openxmlformats.org/officeDocument/2006/relationships" xmlns:p="http://schemas.openxmlformats.org/presentationml/2006/main">
   <p:cSld>
     <p:bg>
@@ -4956,7 +5418,7 @@
 </p:sld>
 </file>
 
-<file path=ppt/slides/slide4.xml><?xml version="1.0" encoding="utf-8"?>
+<file path=ppt/slides/slide5.xml><?xml version="1.0" encoding="utf-8"?>
 <p:sld xmlns:a="http://schemas.openxmlformats.org/drawingml/2006/main" xmlns:r="http://schemas.openxmlformats.org/officeDocument/2006/relationships" xmlns:p="http://schemas.openxmlformats.org/presentationml/2006/main">
   <p:cSld>
     <p:bg>
@@ -5083,6 +5545,22 @@
             <a:r>
               <a:rPr lang="ja-JP" altLang="en-US" dirty="0"/>
               <a:t>自機の移動を台に沿わせる動作</a:t>
+            </a:r>
+            <a:endParaRPr lang="en-US" altLang="ja-JP" dirty="0"/>
+          </a:p>
+          <a:p>
+            <a:pPr lvl="1"/>
+            <a:r>
+              <a:rPr lang="ja-JP" altLang="en-US" dirty="0"/>
+              <a:t>一次関数で制御</a:t>
+            </a:r>
+            <a:endParaRPr lang="en-US" altLang="ja-JP" dirty="0"/>
+          </a:p>
+          <a:p>
+            <a:pPr lvl="1"/>
+            <a:r>
+              <a:rPr lang="ja-JP" altLang="en-US" dirty="0"/>
+              <a:t>傾きと切片を探し当てる</a:t>
             </a:r>
             <a:endParaRPr lang="en-US" altLang="ja-JP" dirty="0"/>
           </a:p>

--- a/team12_発表.pptx
+++ b/team12_発表.pptx
@@ -201,7 +201,7 @@
           <a:p>
             <a:fld id="{F2735A44-3EC1-49AB-A323-0A4C6445FA39}" type="datetimeFigureOut">
               <a:rPr kumimoji="1" lang="ja-JP" altLang="en-US" smtClean="0"/>
-              <a:t>2025/8/5</a:t>
+              <a:t>2025/8/6</a:t>
             </a:fld>
             <a:endParaRPr kumimoji="1" lang="ja-JP" altLang="en-US"/>
           </a:p>
@@ -865,7 +865,7 @@
           <a:p>
             <a:fld id="{EF30903A-6739-441F-B3E8-79F9A22C1051}" type="datetimeFigureOut">
               <a:rPr kumimoji="1" lang="ja-JP" altLang="en-US" smtClean="0"/>
-              <a:t>2025/8/5</a:t>
+              <a:t>2025/8/6</a:t>
             </a:fld>
             <a:endParaRPr kumimoji="1" lang="ja-JP" altLang="en-US"/>
           </a:p>
@@ -1095,7 +1095,7 @@
           <a:p>
             <a:fld id="{EF30903A-6739-441F-B3E8-79F9A22C1051}" type="datetimeFigureOut">
               <a:rPr kumimoji="1" lang="ja-JP" altLang="en-US" smtClean="0"/>
-              <a:t>2025/8/5</a:t>
+              <a:t>2025/8/6</a:t>
             </a:fld>
             <a:endParaRPr kumimoji="1" lang="ja-JP" altLang="en-US"/>
           </a:p>
@@ -1335,7 +1335,7 @@
           <a:p>
             <a:fld id="{EF30903A-6739-441F-B3E8-79F9A22C1051}" type="datetimeFigureOut">
               <a:rPr kumimoji="1" lang="ja-JP" altLang="en-US" smtClean="0"/>
-              <a:t>2025/8/5</a:t>
+              <a:t>2025/8/6</a:t>
             </a:fld>
             <a:endParaRPr kumimoji="1" lang="ja-JP" altLang="en-US"/>
           </a:p>
@@ -1565,7 +1565,7 @@
           <a:p>
             <a:fld id="{EF30903A-6739-441F-B3E8-79F9A22C1051}" type="datetimeFigureOut">
               <a:rPr kumimoji="1" lang="ja-JP" altLang="en-US" smtClean="0"/>
-              <a:t>2025/8/5</a:t>
+              <a:t>2025/8/6</a:t>
             </a:fld>
             <a:endParaRPr kumimoji="1" lang="ja-JP" altLang="en-US"/>
           </a:p>
@@ -1840,7 +1840,7 @@
           <a:p>
             <a:fld id="{EF30903A-6739-441F-B3E8-79F9A22C1051}" type="datetimeFigureOut">
               <a:rPr kumimoji="1" lang="ja-JP" altLang="en-US" smtClean="0"/>
-              <a:t>2025/8/5</a:t>
+              <a:t>2025/8/6</a:t>
             </a:fld>
             <a:endParaRPr kumimoji="1" lang="ja-JP" altLang="en-US"/>
           </a:p>
@@ -2169,7 +2169,7 @@
           <a:p>
             <a:fld id="{EF30903A-6739-441F-B3E8-79F9A22C1051}" type="datetimeFigureOut">
               <a:rPr kumimoji="1" lang="ja-JP" altLang="en-US" smtClean="0"/>
-              <a:t>2025/8/5</a:t>
+              <a:t>2025/8/6</a:t>
             </a:fld>
             <a:endParaRPr kumimoji="1" lang="ja-JP" altLang="en-US"/>
           </a:p>
@@ -2645,7 +2645,7 @@
           <a:p>
             <a:fld id="{EF30903A-6739-441F-B3E8-79F9A22C1051}" type="datetimeFigureOut">
               <a:rPr kumimoji="1" lang="ja-JP" altLang="en-US" smtClean="0"/>
-              <a:t>2025/8/5</a:t>
+              <a:t>2025/8/6</a:t>
             </a:fld>
             <a:endParaRPr kumimoji="1" lang="ja-JP" altLang="en-US"/>
           </a:p>
@@ -2786,7 +2786,7 @@
           <a:p>
             <a:fld id="{EF30903A-6739-441F-B3E8-79F9A22C1051}" type="datetimeFigureOut">
               <a:rPr kumimoji="1" lang="ja-JP" altLang="en-US" smtClean="0"/>
-              <a:t>2025/8/5</a:t>
+              <a:t>2025/8/6</a:t>
             </a:fld>
             <a:endParaRPr kumimoji="1" lang="ja-JP" altLang="en-US"/>
           </a:p>
@@ -2899,7 +2899,7 @@
           <a:p>
             <a:fld id="{EF30903A-6739-441F-B3E8-79F9A22C1051}" type="datetimeFigureOut">
               <a:rPr kumimoji="1" lang="ja-JP" altLang="en-US" smtClean="0"/>
-              <a:t>2025/8/5</a:t>
+              <a:t>2025/8/6</a:t>
             </a:fld>
             <a:endParaRPr kumimoji="1" lang="ja-JP" altLang="en-US"/>
           </a:p>
@@ -3242,7 +3242,7 @@
           <a:p>
             <a:fld id="{EF30903A-6739-441F-B3E8-79F9A22C1051}" type="datetimeFigureOut">
               <a:rPr kumimoji="1" lang="ja-JP" altLang="en-US" smtClean="0"/>
-              <a:t>2025/8/5</a:t>
+              <a:t>2025/8/6</a:t>
             </a:fld>
             <a:endParaRPr kumimoji="1" lang="ja-JP" altLang="en-US"/>
           </a:p>
@@ -3530,7 +3530,7 @@
           <a:p>
             <a:fld id="{EF30903A-6739-441F-B3E8-79F9A22C1051}" type="datetimeFigureOut">
               <a:rPr kumimoji="1" lang="ja-JP" altLang="en-US" smtClean="0"/>
-              <a:t>2025/8/5</a:t>
+              <a:t>2025/8/6</a:t>
             </a:fld>
             <a:endParaRPr kumimoji="1" lang="ja-JP" altLang="en-US"/>
           </a:p>
@@ -3803,7 +3803,7 @@
           <a:p>
             <a:fld id="{EF30903A-6739-441F-B3E8-79F9A22C1051}" type="datetimeFigureOut">
               <a:rPr kumimoji="1" lang="ja-JP" altLang="en-US" smtClean="0"/>
-              <a:t>2025/8/5</a:t>
+              <a:t>2025/8/6</a:t>
             </a:fld>
             <a:endParaRPr kumimoji="1" lang="ja-JP" altLang="en-US"/>
           </a:p>
@@ -4422,7 +4422,7 @@
         </p:spPr>
         <p:txBody>
           <a:bodyPr>
-            <a:normAutofit lnSpcReduction="10000"/>
+            <a:normAutofit/>
           </a:bodyPr>
           <a:lstStyle/>
           <a:p>
@@ -4434,12 +4434,44 @@
           </a:p>
           <a:p>
             <a:r>
+              <a:rPr lang="ja-JP" altLang="en-US" dirty="0"/>
+              <a:t>敵２体を倒すとクリア</a:t>
+            </a:r>
+            <a:endParaRPr lang="en-US" altLang="ja-JP" dirty="0"/>
+          </a:p>
+          <a:p>
+            <a:pPr marL="0" indent="0">
+              <a:buNone/>
+            </a:pPr>
+            <a:r>
+              <a:rPr kumimoji="1" lang="ja-JP" altLang="en-US" dirty="0"/>
+              <a:t>自機</a:t>
+            </a:r>
+            <a:endParaRPr kumimoji="1" lang="en-US" altLang="ja-JP" dirty="0"/>
+          </a:p>
+          <a:p>
+            <a:pPr lvl="1"/>
+            <a:r>
               <a:rPr kumimoji="1" lang="en-US" altLang="ja-JP" dirty="0"/>
-              <a:t>A,</a:t>
-            </a:r>
+              <a:t>HP=100</a:t>
+            </a:r>
+          </a:p>
+          <a:p>
+            <a:pPr lvl="1"/>
+            <a:r>
+              <a:rPr kumimoji="1" lang="ja-JP" altLang="en-US" dirty="0"/>
+              <a:t>与ダメージ：</a:t>
+            </a:r>
+            <a:r>
+              <a:rPr kumimoji="1" lang="en-US" altLang="ja-JP" dirty="0"/>
+              <a:t>15</a:t>
+            </a:r>
+          </a:p>
+          <a:p>
+            <a:pPr lvl="1"/>
             <a:r>
               <a:rPr lang="en-US" altLang="ja-JP" dirty="0"/>
-              <a:t>D</a:t>
+              <a:t>A,D</a:t>
             </a:r>
             <a:r>
               <a:rPr lang="ja-JP" altLang="en-US" dirty="0"/>
@@ -4448,6 +4480,7 @@
             <a:endParaRPr lang="en-US" altLang="ja-JP" dirty="0"/>
           </a:p>
           <a:p>
+            <a:pPr lvl="1"/>
             <a:r>
               <a:rPr lang="en-US" altLang="ja-JP" dirty="0"/>
               <a:t>W</a:t>
@@ -4459,51 +4492,16 @@
             <a:endParaRPr lang="en-US" altLang="ja-JP" dirty="0"/>
           </a:p>
           <a:p>
-            <a:r>
-              <a:rPr kumimoji="1" lang="en-US" altLang="ja-JP" dirty="0"/>
+            <a:pPr lvl="1"/>
+            <a:r>
+              <a:rPr lang="en-US" altLang="ja-JP" dirty="0"/>
               <a:t>Space</a:t>
             </a:r>
             <a:r>
-              <a:rPr kumimoji="1" lang="ja-JP" altLang="en-US" dirty="0"/>
+              <a:rPr lang="ja-JP" altLang="en-US" dirty="0"/>
               <a:t>キーで攻撃</a:t>
             </a:r>
-            <a:endParaRPr kumimoji="1" lang="en-US" altLang="ja-JP" dirty="0"/>
-          </a:p>
-          <a:p>
-            <a:r>
-              <a:rPr lang="ja-JP" altLang="en-US" dirty="0"/>
-              <a:t>敵２体を倒すとクリア</a:t>
-            </a:r>
             <a:endParaRPr lang="en-US" altLang="ja-JP" dirty="0"/>
-          </a:p>
-          <a:p>
-            <a:pPr marL="0" indent="0">
-              <a:buNone/>
-            </a:pPr>
-            <a:r>
-              <a:rPr kumimoji="1" lang="ja-JP" altLang="en-US" dirty="0"/>
-              <a:t>自機</a:t>
-            </a:r>
-            <a:endParaRPr kumimoji="1" lang="en-US" altLang="ja-JP" dirty="0"/>
-          </a:p>
-          <a:p>
-            <a:pPr lvl="1"/>
-            <a:r>
-              <a:rPr kumimoji="1" lang="en-US" altLang="ja-JP" dirty="0"/>
-              <a:t>HP=100</a:t>
-            </a:r>
-          </a:p>
-          <a:p>
-            <a:pPr lvl="1"/>
-            <a:r>
-              <a:rPr kumimoji="1" lang="ja-JP" altLang="en-US" dirty="0"/>
-              <a:t>与ダメージ：</a:t>
-            </a:r>
-            <a:r>
-              <a:rPr kumimoji="1" lang="en-US" altLang="ja-JP" dirty="0"/>
-              <a:t>15</a:t>
-            </a:r>
-            <a:endParaRPr kumimoji="1" lang="ja-JP" altLang="en-US" dirty="0"/>
           </a:p>
         </p:txBody>
       </p:sp>
